--- a/350/350.pptx
+++ b/350/350.pptx
@@ -247,7 +247,7 @@
               <a:pPr>
                 <a:defRPr/>
               </a:pPr>
-              <a:t>6/16/11</a:t>
+              <a:t>6/22/11</a:t>
             </a:fld>
             <a:endParaRPr lang="en-US"/>
           </a:p>
@@ -430,7 +430,7 @@
               <a:pPr>
                 <a:defRPr/>
               </a:pPr>
-              <a:t>6/16/11</a:t>
+              <a:t>6/22/11</a:t>
             </a:fld>
             <a:endParaRPr lang="en-US"/>
           </a:p>
@@ -1116,6 +1116,151 @@
 </p:notes>
 </file>
 
+<file path=ppt/notesSlides/notesSlide10.xml><?xml version="1.0" encoding="utf-8"?>
+<p:notes xmlns:a="http://schemas.openxmlformats.org/drawingml/2006/main" xmlns:r="http://schemas.openxmlformats.org/officeDocument/2006/relationships" xmlns:p="http://schemas.openxmlformats.org/presentationml/2006/main">
+  <p:cSld>
+    <p:spTree>
+      <p:nvGrpSpPr>
+        <p:cNvPr id="1" name=""/>
+        <p:cNvGrpSpPr/>
+        <p:nvPr/>
+      </p:nvGrpSpPr>
+      <p:grpSpPr>
+        <a:xfrm>
+          <a:off x="0" y="0"/>
+          <a:ext cx="0" cy="0"/>
+          <a:chOff x="0" y="0"/>
+          <a:chExt cx="0" cy="0"/>
+        </a:xfrm>
+      </p:grpSpPr>
+      <p:sp>
+        <p:nvSpPr>
+          <p:cNvPr id="2" name="Slide Image Placeholder 1"/>
+          <p:cNvSpPr>
+            <a:spLocks noGrp="1" noRot="1" noChangeAspect="1"/>
+          </p:cNvSpPr>
+          <p:nvPr>
+            <p:ph type="sldImg"/>
+          </p:nvPr>
+        </p:nvSpPr>
+        <p:spPr/>
+      </p:sp>
+      <p:sp>
+        <p:nvSpPr>
+          <p:cNvPr id="3" name="Notes Placeholder 2"/>
+          <p:cNvSpPr>
+            <a:spLocks noGrp="1"/>
+          </p:cNvSpPr>
+          <p:nvPr>
+            <p:ph type="body" idx="1"/>
+          </p:nvPr>
+        </p:nvSpPr>
+        <p:spPr/>
+        <p:txBody>
+          <a:bodyPr/>
+          <a:lstStyle/>
+          <a:p>
+            <a:r>
+              <a:rPr lang="en-US" dirty="0" smtClean="0"/>
+              <a:t>Set </a:t>
+            </a:r>
+            <a:r>
+              <a:rPr lang="en-US" dirty="0" err="1" smtClean="0"/>
+              <a:t>scalePage</a:t>
+            </a:r>
+            <a:r>
+              <a:rPr lang="en-US" baseline="0" dirty="0" err="1" smtClean="0"/>
+              <a:t>ToFit</a:t>
+            </a:r>
+            <a:r>
+              <a:rPr lang="en-US" baseline="0" dirty="0" smtClean="0"/>
+              <a:t> to false so content isn’t scaled, then scrolling should be automatically supported</a:t>
+            </a:r>
+          </a:p>
+          <a:p>
+            <a:endParaRPr lang="en-US" baseline="0" dirty="0" smtClean="0"/>
+          </a:p>
+          <a:p>
+            <a:r>
+              <a:rPr lang="en-US" baseline="0" dirty="0" smtClean="0"/>
+              <a:t>You can manage Titanium style touch related events, or handle them with </a:t>
+            </a:r>
+            <a:r>
+              <a:rPr lang="en-US" baseline="0" dirty="0" err="1" smtClean="0"/>
+              <a:t>Javascript</a:t>
+            </a:r>
+            <a:r>
+              <a:rPr lang="en-US" baseline="0" dirty="0" smtClean="0"/>
+              <a:t> within your HTML content, but not both</a:t>
+            </a:r>
+          </a:p>
+          <a:p>
+            <a:endParaRPr lang="en-US" baseline="0" dirty="0" smtClean="0"/>
+          </a:p>
+          <a:p>
+            <a:r>
+              <a:rPr lang="en-US" baseline="0" dirty="0" smtClean="0"/>
+              <a:t>You’ll encounter problems if you put web views into other scrollable containers, such as tables, scroll views, etc. Touch related events might not be handled in the way you expect.</a:t>
+            </a:r>
+          </a:p>
+          <a:p>
+            <a:endParaRPr lang="en-US" baseline="0" dirty="0" smtClean="0"/>
+          </a:p>
+          <a:p>
+            <a:r>
+              <a:rPr lang="en-US" baseline="0" dirty="0" smtClean="0"/>
+              <a:t>Also, remember that web views are among the most computationally expensive UI components. Use them with </a:t>
+            </a:r>
+            <a:r>
+              <a:rPr lang="en-US" baseline="0" smtClean="0"/>
+              <a:t>that forethought.</a:t>
+            </a:r>
+            <a:endParaRPr lang="en-US" baseline="0" dirty="0" smtClean="0"/>
+          </a:p>
+        </p:txBody>
+      </p:sp>
+      <p:sp>
+        <p:nvSpPr>
+          <p:cNvPr id="4" name="Slide Number Placeholder 3"/>
+          <p:cNvSpPr>
+            <a:spLocks noGrp="1"/>
+          </p:cNvSpPr>
+          <p:nvPr>
+            <p:ph type="sldNum" sz="quarter" idx="10"/>
+          </p:nvPr>
+        </p:nvSpPr>
+        <p:spPr/>
+        <p:txBody>
+          <a:bodyPr/>
+          <a:lstStyle/>
+          <a:p>
+            <a:pPr>
+              <a:defRPr/>
+            </a:pPr>
+            <a:fld id="{C704D923-8FB6-2040-A5D7-BD75ED8E8368}" type="slidenum">
+              <a:rPr lang="en-US" smtClean="0"/>
+              <a:pPr>
+                <a:defRPr/>
+              </a:pPr>
+              <a:t>12</a:t>
+            </a:fld>
+            <a:endParaRPr lang="en-US"/>
+          </a:p>
+        </p:txBody>
+      </p:sp>
+    </p:spTree>
+    <p:extLst>
+      <p:ext uri="{BB962C8B-B14F-4D97-AF65-F5344CB8AC3E}">
+        <p14:creationId xmlns:p14="http://schemas.microsoft.com/office/powerpoint/2010/main" val="4150720913"/>
+      </p:ext>
+    </p:extLst>
+  </p:cSld>
+  <p:clrMapOvr>
+    <a:masterClrMapping/>
+  </p:clrMapOvr>
+</p:notes>
+</file>
+
 <file path=ppt/notesSlides/notesSlide2.xml><?xml version="1.0" encoding="utf-8"?>
 <p:notes xmlns:a="http://schemas.openxmlformats.org/drawingml/2006/main" xmlns:r="http://schemas.openxmlformats.org/officeDocument/2006/relationships" xmlns:p="http://schemas.openxmlformats.org/presentationml/2006/main">
   <p:cSld>
@@ -1636,14 +1781,7 @@
                 <a:latin typeface="Calibri" charset="0"/>
                 <a:cs typeface="ＭＳ Ｐゴシック" charset="0"/>
               </a:rPr>
-              <a:t>In this module, we’ll look at </a:t>
-            </a:r>
-            <a:r>
-              <a:rPr lang="en-US" dirty="0" smtClean="0">
-                <a:latin typeface="Calibri" charset="0"/>
-                <a:cs typeface="ＭＳ Ｐゴシック" charset="0"/>
-              </a:rPr>
-              <a:t>…</a:t>
+              <a:t>In this module, we’ll look at …</a:t>
             </a:r>
             <a:endParaRPr lang="en-US" dirty="0">
               <a:latin typeface="Calibri" charset="0"/>
@@ -2321,6 +2459,31 @@
           <a:bodyPr/>
           <a:lstStyle/>
           <a:p>
+            <a:r>
+              <a:rPr lang="en-US" dirty="0" smtClean="0"/>
+              <a:t>Set content height to auto and it will scroll just enough</a:t>
+            </a:r>
+            <a:r>
+              <a:rPr lang="en-US" baseline="0" dirty="0" smtClean="0"/>
+              <a:t> to show the content.</a:t>
+            </a:r>
+          </a:p>
+          <a:p>
+            <a:r>
+              <a:rPr lang="en-US" baseline="0" dirty="0" smtClean="0"/>
+              <a:t>Set it to a specific size and that’s all you’ll get. Content could get cut off or scroll could continue well past available content</a:t>
+            </a:r>
+          </a:p>
+          <a:p>
+            <a:endParaRPr lang="en-US" baseline="0" dirty="0" smtClean="0"/>
+          </a:p>
+          <a:p>
+            <a:r>
+              <a:rPr lang="en-US" baseline="0" dirty="0" smtClean="0"/>
+              <a:t>Users can zoom in/out, which you can control</a:t>
+            </a:r>
+          </a:p>
+          <a:p>
             <a:endParaRPr lang="en-US" dirty="0"/>
           </a:p>
         </p:txBody>
@@ -2348,7 +2511,7 @@
               <a:pPr>
                 <a:defRPr/>
               </a:pPr>
-              <a:t>7</a:t>
+              <a:t>5</a:t>
             </a:fld>
             <a:endParaRPr lang="en-US"/>
           </a:p>
@@ -2357,7 +2520,7 @@
     </p:spTree>
     <p:extLst>
       <p:ext uri="{BB962C8B-B14F-4D97-AF65-F5344CB8AC3E}">
-        <p14:creationId xmlns:p14="http://schemas.microsoft.com/office/powerpoint/2010/main" val="3806366128"/>
+        <p14:creationId xmlns:p14="http://schemas.microsoft.com/office/powerpoint/2010/main" val="2931396178"/>
       </p:ext>
     </p:extLst>
   </p:cSld>
@@ -2411,40 +2574,6 @@
           <a:bodyPr/>
           <a:lstStyle/>
           <a:p>
-            <a:r>
-              <a:rPr lang="en-US" dirty="0" smtClean="0"/>
-              <a:t>views</a:t>
-            </a:r>
-            <a:r>
-              <a:rPr lang="en-US" baseline="0" dirty="0" smtClean="0"/>
-              <a:t> is an array of standard views that are shown within the </a:t>
-            </a:r>
-            <a:r>
-              <a:rPr lang="en-US" baseline="0" dirty="0" err="1" smtClean="0"/>
-              <a:t>ScrollableView</a:t>
-            </a:r>
-            <a:endParaRPr lang="en-US" baseline="0" dirty="0" smtClean="0"/>
-          </a:p>
-          <a:p>
-            <a:endParaRPr lang="en-US" baseline="0" dirty="0" smtClean="0"/>
-          </a:p>
-          <a:p>
-            <a:r>
-              <a:rPr lang="en-US" baseline="0" dirty="0" err="1" smtClean="0"/>
-              <a:t>currentPage</a:t>
-            </a:r>
-            <a:r>
-              <a:rPr lang="en-US" baseline="0" dirty="0" smtClean="0"/>
-              <a:t> is an integer specifying which view to show when the </a:t>
-            </a:r>
-            <a:r>
-              <a:rPr lang="en-US" baseline="0" dirty="0" err="1" smtClean="0"/>
-              <a:t>scrollableview</a:t>
-            </a:r>
-            <a:r>
-              <a:rPr lang="en-US" baseline="0" dirty="0" smtClean="0"/>
-              <a:t> is rendered</a:t>
-            </a:r>
             <a:endParaRPr lang="en-US" dirty="0"/>
           </a:p>
         </p:txBody>
@@ -2472,7 +2601,7 @@
               <a:pPr>
                 <a:defRPr/>
               </a:pPr>
-              <a:t>8</a:t>
+              <a:t>7</a:t>
             </a:fld>
             <a:endParaRPr lang="en-US"/>
           </a:p>
@@ -2481,7 +2610,7 @@
     </p:spTree>
     <p:extLst>
       <p:ext uri="{BB962C8B-B14F-4D97-AF65-F5344CB8AC3E}">
-        <p14:creationId xmlns:p14="http://schemas.microsoft.com/office/powerpoint/2010/main" val="2440708566"/>
+        <p14:creationId xmlns:p14="http://schemas.microsoft.com/office/powerpoint/2010/main" val="3806366128"/>
       </p:ext>
     </p:extLst>
   </p:cSld>
@@ -2535,6 +2664,40 @@
           <a:bodyPr/>
           <a:lstStyle/>
           <a:p>
+            <a:r>
+              <a:rPr lang="en-US" dirty="0" smtClean="0"/>
+              <a:t>views</a:t>
+            </a:r>
+            <a:r>
+              <a:rPr lang="en-US" baseline="0" dirty="0" smtClean="0"/>
+              <a:t> is an array of standard views that are shown within the </a:t>
+            </a:r>
+            <a:r>
+              <a:rPr lang="en-US" baseline="0" dirty="0" err="1" smtClean="0"/>
+              <a:t>ScrollableView</a:t>
+            </a:r>
+            <a:endParaRPr lang="en-US" baseline="0" dirty="0" smtClean="0"/>
+          </a:p>
+          <a:p>
+            <a:endParaRPr lang="en-US" baseline="0" dirty="0" smtClean="0"/>
+          </a:p>
+          <a:p>
+            <a:r>
+              <a:rPr lang="en-US" baseline="0" dirty="0" err="1" smtClean="0"/>
+              <a:t>currentPage</a:t>
+            </a:r>
+            <a:r>
+              <a:rPr lang="en-US" baseline="0" dirty="0" smtClean="0"/>
+              <a:t> is an integer specifying which view to show when the </a:t>
+            </a:r>
+            <a:r>
+              <a:rPr lang="en-US" baseline="0" dirty="0" err="1" smtClean="0"/>
+              <a:t>scrollableview</a:t>
+            </a:r>
+            <a:r>
+              <a:rPr lang="en-US" baseline="0" dirty="0" smtClean="0"/>
+              <a:t> is rendered</a:t>
+            </a:r>
             <a:endParaRPr lang="en-US" dirty="0"/>
           </a:p>
         </p:txBody>
@@ -2562,7 +2725,7 @@
               <a:pPr>
                 <a:defRPr/>
               </a:pPr>
-              <a:t>11</a:t>
+              <a:t>8</a:t>
             </a:fld>
             <a:endParaRPr lang="en-US"/>
           </a:p>
@@ -2571,7 +2734,7 @@
     </p:spTree>
     <p:extLst>
       <p:ext uri="{BB962C8B-B14F-4D97-AF65-F5344CB8AC3E}">
-        <p14:creationId xmlns:p14="http://schemas.microsoft.com/office/powerpoint/2010/main" val="3806366128"/>
+        <p14:creationId xmlns:p14="http://schemas.microsoft.com/office/powerpoint/2010/main" val="2440708566"/>
       </p:ext>
     </p:extLst>
   </p:cSld>
@@ -2627,60 +2790,13 @@
           <a:p>
             <a:r>
               <a:rPr lang="en-US" dirty="0" smtClean="0"/>
-              <a:t>Set </a:t>
-            </a:r>
-            <a:r>
-              <a:rPr lang="en-US" dirty="0" err="1" smtClean="0"/>
-              <a:t>scalePage</a:t>
-            </a:r>
-            <a:r>
-              <a:rPr lang="en-US" baseline="0" dirty="0" err="1" smtClean="0"/>
-              <a:t>ToFit</a:t>
+              <a:t>This is about the only significant</a:t>
             </a:r>
             <a:r>
               <a:rPr lang="en-US" baseline="0" dirty="0" smtClean="0"/>
-              <a:t> to false so content isn’t scaled, then scrolling should be automatically supported</a:t>
-            </a:r>
-          </a:p>
-          <a:p>
-            <a:endParaRPr lang="en-US" baseline="0" dirty="0" smtClean="0"/>
-          </a:p>
-          <a:p>
-            <a:r>
-              <a:rPr lang="en-US" baseline="0" dirty="0" smtClean="0"/>
-              <a:t>You can manage Titanium style touch related events, or handle them with </a:t>
-            </a:r>
-            <a:r>
-              <a:rPr lang="en-US" baseline="0" dirty="0" err="1" smtClean="0"/>
-              <a:t>Javascript</a:t>
-            </a:r>
-            <a:r>
-              <a:rPr lang="en-US" baseline="0" dirty="0" smtClean="0"/>
-              <a:t> within your HTML content, but not both</a:t>
-            </a:r>
-          </a:p>
-          <a:p>
-            <a:endParaRPr lang="en-US" baseline="0" dirty="0" smtClean="0"/>
-          </a:p>
-          <a:p>
-            <a:r>
-              <a:rPr lang="en-US" baseline="0" dirty="0" smtClean="0"/>
-              <a:t>You’ll encounter problems if you put web views into other scrollable containers, such as tables, scroll views, etc. Touch related events might not be handled in the way you expect.</a:t>
-            </a:r>
-          </a:p>
-          <a:p>
-            <a:endParaRPr lang="en-US" baseline="0" dirty="0" smtClean="0"/>
-          </a:p>
-          <a:p>
-            <a:r>
-              <a:rPr lang="en-US" baseline="0" dirty="0" smtClean="0"/>
-              <a:t>Also, remember that web views are among the most computationally expensive UI components. Use them with </a:t>
-            </a:r>
-            <a:r>
-              <a:rPr lang="en-US" baseline="0" smtClean="0"/>
-              <a:t>that forethought.</a:t>
-            </a:r>
-            <a:endParaRPr lang="en-US" baseline="0" dirty="0" smtClean="0"/>
+              <a:t> difference between platforms</a:t>
+            </a:r>
+            <a:endParaRPr lang="en-US" dirty="0"/>
           </a:p>
         </p:txBody>
       </p:sp>
@@ -2707,7 +2823,7 @@
               <a:pPr>
                 <a:defRPr/>
               </a:pPr>
-              <a:t>12</a:t>
+              <a:t>10</a:t>
             </a:fld>
             <a:endParaRPr lang="en-US"/>
           </a:p>
@@ -2716,7 +2832,97 @@
     </p:spTree>
     <p:extLst>
       <p:ext uri="{BB962C8B-B14F-4D97-AF65-F5344CB8AC3E}">
-        <p14:creationId xmlns:p14="http://schemas.microsoft.com/office/powerpoint/2010/main" val="4150720913"/>
+        <p14:creationId xmlns:p14="http://schemas.microsoft.com/office/powerpoint/2010/main" val="67606792"/>
+      </p:ext>
+    </p:extLst>
+  </p:cSld>
+  <p:clrMapOvr>
+    <a:masterClrMapping/>
+  </p:clrMapOvr>
+</p:notes>
+</file>
+
+<file path=ppt/notesSlides/notesSlide9.xml><?xml version="1.0" encoding="utf-8"?>
+<p:notes xmlns:a="http://schemas.openxmlformats.org/drawingml/2006/main" xmlns:r="http://schemas.openxmlformats.org/officeDocument/2006/relationships" xmlns:p="http://schemas.openxmlformats.org/presentationml/2006/main">
+  <p:cSld>
+    <p:spTree>
+      <p:nvGrpSpPr>
+        <p:cNvPr id="1" name=""/>
+        <p:cNvGrpSpPr/>
+        <p:nvPr/>
+      </p:nvGrpSpPr>
+      <p:grpSpPr>
+        <a:xfrm>
+          <a:off x="0" y="0"/>
+          <a:ext cx="0" cy="0"/>
+          <a:chOff x="0" y="0"/>
+          <a:chExt cx="0" cy="0"/>
+        </a:xfrm>
+      </p:grpSpPr>
+      <p:sp>
+        <p:nvSpPr>
+          <p:cNvPr id="2" name="Slide Image Placeholder 1"/>
+          <p:cNvSpPr>
+            <a:spLocks noGrp="1" noRot="1" noChangeAspect="1"/>
+          </p:cNvSpPr>
+          <p:nvPr>
+            <p:ph type="sldImg"/>
+          </p:nvPr>
+        </p:nvSpPr>
+        <p:spPr/>
+      </p:sp>
+      <p:sp>
+        <p:nvSpPr>
+          <p:cNvPr id="3" name="Notes Placeholder 2"/>
+          <p:cNvSpPr>
+            <a:spLocks noGrp="1"/>
+          </p:cNvSpPr>
+          <p:nvPr>
+            <p:ph type="body" idx="1"/>
+          </p:nvPr>
+        </p:nvSpPr>
+        <p:spPr/>
+        <p:txBody>
+          <a:bodyPr/>
+          <a:lstStyle/>
+          <a:p>
+            <a:endParaRPr lang="en-US" dirty="0"/>
+          </a:p>
+        </p:txBody>
+      </p:sp>
+      <p:sp>
+        <p:nvSpPr>
+          <p:cNvPr id="4" name="Slide Number Placeholder 3"/>
+          <p:cNvSpPr>
+            <a:spLocks noGrp="1"/>
+          </p:cNvSpPr>
+          <p:nvPr>
+            <p:ph type="sldNum" sz="quarter" idx="10"/>
+          </p:nvPr>
+        </p:nvSpPr>
+        <p:spPr/>
+        <p:txBody>
+          <a:bodyPr/>
+          <a:lstStyle/>
+          <a:p>
+            <a:pPr>
+              <a:defRPr/>
+            </a:pPr>
+            <a:fld id="{C704D923-8FB6-2040-A5D7-BD75ED8E8368}" type="slidenum">
+              <a:rPr lang="en-US" smtClean="0"/>
+              <a:pPr>
+                <a:defRPr/>
+              </a:pPr>
+              <a:t>11</a:t>
+            </a:fld>
+            <a:endParaRPr lang="en-US"/>
+          </a:p>
+        </p:txBody>
+      </p:sp>
+    </p:spTree>
+    <p:extLst>
+      <p:ext uri="{BB962C8B-B14F-4D97-AF65-F5344CB8AC3E}">
+        <p14:creationId xmlns:p14="http://schemas.microsoft.com/office/powerpoint/2010/main" val="3806366128"/>
       </p:ext>
     </p:extLst>
   </p:cSld>
@@ -3046,7 +3252,7 @@
               <a:pPr>
                 <a:defRPr/>
               </a:pPr>
-              <a:t>6/16/11</a:t>
+              <a:t>6/22/11</a:t>
             </a:fld>
             <a:endParaRPr lang="en-US"/>
           </a:p>
@@ -3534,7 +3740,7 @@
               <a:pPr>
                 <a:defRPr/>
               </a:pPr>
-              <a:t>6/16/11</a:t>
+              <a:t>6/22/11</a:t>
             </a:fld>
             <a:endParaRPr lang="en-US"/>
           </a:p>
@@ -4096,7 +4302,7 @@
               <a:pPr>
                 <a:defRPr/>
               </a:pPr>
-              <a:t>6/16/11</a:t>
+              <a:t>6/22/11</a:t>
             </a:fld>
             <a:endParaRPr lang="en-US"/>
           </a:p>
@@ -4706,7 +4912,7 @@
               <a:pPr>
                 <a:defRPr/>
               </a:pPr>
-              <a:t>6/16/11</a:t>
+              <a:t>6/22/11</a:t>
             </a:fld>
             <a:endParaRPr lang="en-US"/>
           </a:p>
@@ -4828,7 +5034,7 @@
               <a:pPr>
                 <a:defRPr/>
               </a:pPr>
-              <a:t>6/16/11</a:t>
+              <a:t>6/22/11</a:t>
             </a:fld>
             <a:endParaRPr lang="en-US"/>
           </a:p>
@@ -5115,7 +5321,7 @@
               <a:pPr>
                 <a:defRPr/>
               </a:pPr>
-              <a:t>6/16/11</a:t>
+              <a:t>6/22/11</a:t>
             </a:fld>
             <a:endParaRPr lang="en-US"/>
           </a:p>
@@ -6498,16 +6704,7 @@
                 </a:solidFill>
                 <a:cs typeface="Trebuchet MS" charset="0"/>
               </a:rPr>
-              <a:t>API Deep Dive: </a:t>
-            </a:r>
-            <a:r>
-              <a:rPr lang="en-US" sz="4000" b="1" dirty="0" smtClean="0">
-                <a:solidFill>
-                  <a:srgbClr val="122956"/>
-                </a:solidFill>
-                <a:cs typeface="Trebuchet MS" charset="0"/>
-              </a:rPr>
-              <a:t>Scroll Views</a:t>
+              <a:t>API Deep Dive: Scroll Views</a:t>
             </a:r>
             <a:endParaRPr lang="en-US" sz="4000" b="1" dirty="0">
               <a:solidFill>
@@ -6740,31 +6937,13 @@
               <a:rPr lang="en-US" sz="2000" dirty="0">
                 <a:latin typeface="Monaco" charset="0"/>
               </a:rPr>
-              <a:t>	alert('You </a:t>
-            </a:r>
-            <a:r>
-              <a:rPr lang="en-US" sz="2000" dirty="0">
-                <a:latin typeface="Monaco" charset="0"/>
-              </a:rPr>
-              <a:t>zoomed </a:t>
+              <a:t>	alert('You zoomed </a:t>
             </a:r>
             <a:r>
               <a:rPr lang="en-US" sz="2000" dirty="0" smtClean="0">
                 <a:latin typeface="Monaco" charset="0"/>
               </a:rPr>
-              <a:t>to ' + </a:t>
-            </a:r>
-            <a:r>
-              <a:rPr lang="en-US" sz="2000" dirty="0" smtClean="0">
-                <a:latin typeface="Monaco" charset="0"/>
-              </a:rPr>
-              <a:t>scale </a:t>
-            </a:r>
-            <a:r>
-              <a:rPr lang="en-US" sz="2000" dirty="0" smtClean="0">
-                <a:latin typeface="Monaco" charset="0"/>
-              </a:rPr>
-              <a:t>* 100 + '%</a:t>
+              <a:t>to ' + scale * 100 + '%</a:t>
             </a:r>
             <a:r>
               <a:rPr lang="en-US" sz="2000" dirty="0">
@@ -7052,11 +7231,7 @@
             </a:r>
             <a:r>
               <a:rPr lang="en-US" sz="2000" dirty="0" smtClean="0"/>
-              <a:t> </a:t>
-            </a:r>
-            <a:r>
-              <a:rPr lang="en-US" sz="2000" dirty="0" smtClean="0"/>
-              <a:t>/ </a:t>
+              <a:t> / </a:t>
             </a:r>
             <a:r>
               <a:rPr lang="en-US" sz="2000" dirty="0" err="1" smtClean="0"/>
@@ -7371,7 +7546,6 @@
               <a:rPr lang="en-US" sz="2000" dirty="0" smtClean="0"/>
               <a:t>direction (swipe)</a:t>
             </a:r>
-            <a:endParaRPr lang="en-US" sz="2000" dirty="0" smtClean="0"/>
           </a:p>
           <a:p>
             <a:endParaRPr lang="en-US" sz="2000" dirty="0"/>
@@ -7871,7 +8045,6 @@
               <a:rPr lang="en-US" dirty="0" smtClean="0"/>
               <a:t> in depth</a:t>
             </a:r>
-            <a:endParaRPr lang="en-US" dirty="0" smtClean="0"/>
           </a:p>
           <a:p>
             <a:endParaRPr lang="en-US" dirty="0"/>
@@ -7885,7 +8058,6 @@
               <a:rPr lang="en-US" dirty="0" smtClean="0"/>
               <a:t> in depth</a:t>
             </a:r>
-            <a:endParaRPr lang="en-US" dirty="0" smtClean="0"/>
           </a:p>
           <a:p>
             <a:endParaRPr lang="en-US" dirty="0"/>
@@ -7895,7 +8067,6 @@
               <a:rPr lang="en-US" dirty="0" smtClean="0"/>
               <a:t>Web views as scrollable containers</a:t>
             </a:r>
-            <a:endParaRPr lang="en-US" dirty="0" smtClean="0"/>
           </a:p>
         </p:txBody>
       </p:sp>
@@ -8600,15 +8771,7 @@
           <a:p>
             <a:r>
               <a:rPr lang="en-US" dirty="0" smtClean="0"/>
-              <a:t>Key </a:t>
-            </a:r>
-            <a:r>
-              <a:rPr lang="en-US" dirty="0" smtClean="0"/>
-              <a:t>properties</a:t>
-            </a:r>
-            <a:r>
-              <a:rPr lang="en-US" dirty="0" smtClean="0"/>
-              <a:t>:</a:t>
+              <a:t>Key properties:</a:t>
             </a:r>
           </a:p>
           <a:p>
@@ -8618,11 +8781,7 @@
             </a:pPr>
             <a:r>
               <a:rPr lang="en-US" dirty="0" smtClean="0"/>
-              <a:t>height / </a:t>
-            </a:r>
-            <a:r>
-              <a:rPr lang="en-US" dirty="0" smtClean="0"/>
-              <a:t>width</a:t>
+              <a:t>height / width</a:t>
             </a:r>
           </a:p>
           <a:p>
@@ -9154,31 +9313,13 @@
               <a:rPr lang="en-US" sz="2000" dirty="0">
                 <a:latin typeface="Monaco" charset="0"/>
               </a:rPr>
-              <a:t>	alert('You </a:t>
-            </a:r>
-            <a:r>
-              <a:rPr lang="en-US" sz="2000" dirty="0">
-                <a:latin typeface="Monaco" charset="0"/>
-              </a:rPr>
-              <a:t>zoomed </a:t>
+              <a:t>	alert('You zoomed </a:t>
             </a:r>
             <a:r>
               <a:rPr lang="en-US" sz="2000" dirty="0" smtClean="0">
                 <a:latin typeface="Monaco" charset="0"/>
               </a:rPr>
-              <a:t>to ' + </a:t>
-            </a:r>
-            <a:r>
-              <a:rPr lang="en-US" sz="2000" dirty="0" smtClean="0">
-                <a:latin typeface="Monaco" charset="0"/>
-              </a:rPr>
-              <a:t>scale </a:t>
-            </a:r>
-            <a:r>
-              <a:rPr lang="en-US" sz="2000" dirty="0" smtClean="0">
-                <a:latin typeface="Monaco" charset="0"/>
-              </a:rPr>
-              <a:t>* 100 + '%</a:t>
+              <a:t>to ' + scale * 100 + '%</a:t>
             </a:r>
             <a:r>
               <a:rPr lang="en-US" sz="2000" dirty="0">
@@ -9453,7 +9594,6 @@
               <a:rPr lang="en-US" sz="2000" dirty="0" smtClean="0"/>
               <a:t>scroll</a:t>
             </a:r>
-            <a:endParaRPr lang="en-US" sz="2000" dirty="0" smtClean="0"/>
           </a:p>
           <a:p>
             <a:pPr marL="342900" indent="-342900">
@@ -9476,11 +9616,7 @@
             </a:r>
             <a:r>
               <a:rPr lang="en-US" sz="2000" dirty="0" smtClean="0"/>
-              <a:t> </a:t>
-            </a:r>
-            <a:r>
-              <a:rPr lang="en-US" sz="2000" dirty="0" smtClean="0"/>
-              <a:t>/ </a:t>
+              <a:t> / </a:t>
             </a:r>
             <a:r>
               <a:rPr lang="en-US" sz="2000" dirty="0" err="1" smtClean="0"/>
@@ -9791,7 +9927,6 @@
               <a:rPr lang="en-US" sz="2000" dirty="0" smtClean="0"/>
               <a:t>dragging (scroll)</a:t>
             </a:r>
-            <a:endParaRPr lang="en-US" sz="2000" dirty="0" smtClean="0"/>
           </a:p>
           <a:p>
             <a:pPr marL="342900" indent="-342900">
@@ -9812,7 +9947,6 @@
               <a:rPr lang="en-US" sz="2000" dirty="0" smtClean="0"/>
               <a:t>direction (swipe)</a:t>
             </a:r>
-            <a:endParaRPr lang="en-US" sz="2000" dirty="0" smtClean="0"/>
           </a:p>
           <a:p>
             <a:endParaRPr lang="en-US" sz="2000" dirty="0"/>
@@ -9993,15 +10127,7 @@
           <a:p>
             <a:r>
               <a:rPr lang="en-US" dirty="0" smtClean="0"/>
-              <a:t>Key </a:t>
-            </a:r>
-            <a:r>
-              <a:rPr lang="en-US" dirty="0" smtClean="0"/>
-              <a:t>properties</a:t>
-            </a:r>
-            <a:r>
-              <a:rPr lang="en-US" dirty="0" smtClean="0"/>
-              <a:t>:</a:t>
+              <a:t>Key properties:</a:t>
             </a:r>
           </a:p>
           <a:p>
@@ -10011,11 +10137,7 @@
             </a:pPr>
             <a:r>
               <a:rPr lang="en-US" dirty="0" smtClean="0"/>
-              <a:t>height / </a:t>
-            </a:r>
-            <a:r>
-              <a:rPr lang="en-US" dirty="0" smtClean="0"/>
-              <a:t>width</a:t>
+              <a:t>height / width</a:t>
             </a:r>
           </a:p>
           <a:p>
@@ -10027,7 +10149,6 @@
               <a:rPr lang="en-US" dirty="0" smtClean="0"/>
               <a:t>views</a:t>
             </a:r>
-            <a:endParaRPr lang="en-US" dirty="0" smtClean="0"/>
           </a:p>
           <a:p>
             <a:pPr marL="800100" lvl="1" indent="-342900">
